--- a/PCR in Python.pptx
+++ b/PCR in Python.pptx
@@ -16,15 +16,14 @@
     <p:sldId id="268" r:id="rId13"/>
     <p:sldId id="269" r:id="rId14"/>
     <p:sldId id="270" r:id="rId15"/>
-    <p:sldId id="271" r:id="rId16"/>
-    <p:sldId id="272" r:id="rId17"/>
-    <p:sldId id="273" r:id="rId18"/>
-    <p:sldId id="274" r:id="rId19"/>
-    <p:sldId id="275" r:id="rId20"/>
-    <p:sldId id="277" r:id="rId21"/>
-    <p:sldId id="276" r:id="rId22"/>
-    <p:sldId id="278" r:id="rId23"/>
-    <p:sldId id="279" r:id="rId24"/>
+    <p:sldId id="272" r:id="rId16"/>
+    <p:sldId id="273" r:id="rId17"/>
+    <p:sldId id="274" r:id="rId18"/>
+    <p:sldId id="275" r:id="rId19"/>
+    <p:sldId id="277" r:id="rId20"/>
+    <p:sldId id="276" r:id="rId21"/>
+    <p:sldId id="278" r:id="rId22"/>
+    <p:sldId id="279" r:id="rId23"/>
   </p:sldIdLst>
   <p:sldSz cx="12192000" cy="6858000"/>
   <p:notesSz cx="6858000" cy="9144000"/>
@@ -129,6 +128,125 @@
     </p:ext>
   </p:extLst>
 </p:presentation>
+</file>
+
+<file path=ppt/revisionInfo.xml><?xml version="1.0" encoding="utf-8"?>
+<p1510:revInfo xmlns:a="http://schemas.openxmlformats.org/drawingml/2006/main" xmlns:r="http://schemas.openxmlformats.org/officeDocument/2006/relationships" xmlns:p1510="http://schemas.microsoft.com/office/powerpoint/2015/10/main">
+  <p1510:revLst>
+    <p1510:client id="{14880C38-D002-451F-8B1B-2839D0F4EB6B}" v="1" dt="2020-09-29T11:36:24.214"/>
+  </p1510:revLst>
+</p1510:revInfo>
+</file>
+
+<file path=ppt/changesInfos/changesInfo1.xml><?xml version="1.0" encoding="utf-8"?>
+<pc:chgInfo xmlns:a="http://schemas.openxmlformats.org/drawingml/2006/main" xmlns:r="http://schemas.openxmlformats.org/officeDocument/2006/relationships" xmlns:ac="http://schemas.microsoft.com/office/drawing/2013/main/command" xmlns:pc="http://schemas.microsoft.com/office/powerpoint/2013/main/command">
+  <pc:docChgLst>
+    <pc:chgData name="Justin Hare" userId="c2cb5414-691d-4185-9cd0-01caf178a151" providerId="ADAL" clId="{14880C38-D002-451F-8B1B-2839D0F4EB6B}"/>
+    <pc:docChg chg="delSld modSld">
+      <pc:chgData name="Justin Hare" userId="c2cb5414-691d-4185-9cd0-01caf178a151" providerId="ADAL" clId="{14880C38-D002-451F-8B1B-2839D0F4EB6B}" dt="2020-09-29T11:39:36.909" v="83" actId="47"/>
+      <pc:docMkLst>
+        <pc:docMk/>
+      </pc:docMkLst>
+      <pc:sldChg chg="modSp mod">
+        <pc:chgData name="Justin Hare" userId="c2cb5414-691d-4185-9cd0-01caf178a151" providerId="ADAL" clId="{14880C38-D002-451F-8B1B-2839D0F4EB6B}" dt="2020-09-29T11:32:32.374" v="63" actId="20577"/>
+        <pc:sldMkLst>
+          <pc:docMk/>
+          <pc:sldMk cId="3546873807" sldId="262"/>
+        </pc:sldMkLst>
+        <pc:spChg chg="mod">
+          <ac:chgData name="Justin Hare" userId="c2cb5414-691d-4185-9cd0-01caf178a151" providerId="ADAL" clId="{14880C38-D002-451F-8B1B-2839D0F4EB6B}" dt="2020-09-29T11:32:32.374" v="63" actId="20577"/>
+          <ac:spMkLst>
+            <pc:docMk/>
+            <pc:sldMk cId="3546873807" sldId="262"/>
+            <ac:spMk id="10" creationId="{4C637416-7405-45B1-8D13-6E41F18C80CE}"/>
+          </ac:spMkLst>
+        </pc:spChg>
+      </pc:sldChg>
+      <pc:sldChg chg="modSp mod">
+        <pc:chgData name="Justin Hare" userId="c2cb5414-691d-4185-9cd0-01caf178a151" providerId="ADAL" clId="{14880C38-D002-451F-8B1B-2839D0F4EB6B}" dt="2020-09-29T11:32:58.712" v="65" actId="20577"/>
+        <pc:sldMkLst>
+          <pc:docMk/>
+          <pc:sldMk cId="1292269415" sldId="265"/>
+        </pc:sldMkLst>
+        <pc:spChg chg="mod">
+          <ac:chgData name="Justin Hare" userId="c2cb5414-691d-4185-9cd0-01caf178a151" providerId="ADAL" clId="{14880C38-D002-451F-8B1B-2839D0F4EB6B}" dt="2020-09-29T11:32:58.712" v="65" actId="20577"/>
+          <ac:spMkLst>
+            <pc:docMk/>
+            <pc:sldMk cId="1292269415" sldId="265"/>
+            <ac:spMk id="4" creationId="{B26B4D8A-A27A-4BEE-AEEC-136E99C2D053}"/>
+          </ac:spMkLst>
+        </pc:spChg>
+      </pc:sldChg>
+      <pc:sldChg chg="modSp mod">
+        <pc:chgData name="Justin Hare" userId="c2cb5414-691d-4185-9cd0-01caf178a151" providerId="ADAL" clId="{14880C38-D002-451F-8B1B-2839D0F4EB6B}" dt="2020-09-29T11:32:11.372" v="55" actId="20577"/>
+        <pc:sldMkLst>
+          <pc:docMk/>
+          <pc:sldMk cId="2626928242" sldId="266"/>
+        </pc:sldMkLst>
+        <pc:spChg chg="mod">
+          <ac:chgData name="Justin Hare" userId="c2cb5414-691d-4185-9cd0-01caf178a151" providerId="ADAL" clId="{14880C38-D002-451F-8B1B-2839D0F4EB6B}" dt="2020-09-29T11:32:11.372" v="55" actId="20577"/>
+          <ac:spMkLst>
+            <pc:docMk/>
+            <pc:sldMk cId="2626928242" sldId="266"/>
+            <ac:spMk id="4" creationId="{B198AA85-9143-4CBD-B405-32BE89090EF4}"/>
+          </ac:spMkLst>
+        </pc:spChg>
+      </pc:sldChg>
+      <pc:sldChg chg="modSp mod">
+        <pc:chgData name="Justin Hare" userId="c2cb5414-691d-4185-9cd0-01caf178a151" providerId="ADAL" clId="{14880C38-D002-451F-8B1B-2839D0F4EB6B}" dt="2020-09-29T11:33:17.072" v="70" actId="20577"/>
+        <pc:sldMkLst>
+          <pc:docMk/>
+          <pc:sldMk cId="3898381447" sldId="268"/>
+        </pc:sldMkLst>
+        <pc:spChg chg="mod">
+          <ac:chgData name="Justin Hare" userId="c2cb5414-691d-4185-9cd0-01caf178a151" providerId="ADAL" clId="{14880C38-D002-451F-8B1B-2839D0F4EB6B}" dt="2020-09-29T11:33:17.072" v="70" actId="20577"/>
+          <ac:spMkLst>
+            <pc:docMk/>
+            <pc:sldMk cId="3898381447" sldId="268"/>
+            <ac:spMk id="4" creationId="{39253841-7489-4CB9-93A4-A88509D6CD2C}"/>
+          </ac:spMkLst>
+        </pc:spChg>
+      </pc:sldChg>
+      <pc:sldChg chg="modSp mod">
+        <pc:chgData name="Justin Hare" userId="c2cb5414-691d-4185-9cd0-01caf178a151" providerId="ADAL" clId="{14880C38-D002-451F-8B1B-2839D0F4EB6B}" dt="2020-09-29T11:33:36.640" v="76" actId="20577"/>
+        <pc:sldMkLst>
+          <pc:docMk/>
+          <pc:sldMk cId="1114844458" sldId="270"/>
+        </pc:sldMkLst>
+        <pc:spChg chg="mod">
+          <ac:chgData name="Justin Hare" userId="c2cb5414-691d-4185-9cd0-01caf178a151" providerId="ADAL" clId="{14880C38-D002-451F-8B1B-2839D0F4EB6B}" dt="2020-09-29T11:33:36.640" v="76" actId="20577"/>
+          <ac:spMkLst>
+            <pc:docMk/>
+            <pc:sldMk cId="1114844458" sldId="270"/>
+            <ac:spMk id="4" creationId="{8C81AF1B-DF31-415A-B075-964064181FB4}"/>
+          </ac:spMkLst>
+        </pc:spChg>
+      </pc:sldChg>
+      <pc:sldChg chg="del">
+        <pc:chgData name="Justin Hare" userId="c2cb5414-691d-4185-9cd0-01caf178a151" providerId="ADAL" clId="{14880C38-D002-451F-8B1B-2839D0F4EB6B}" dt="2020-09-29T11:39:36.909" v="83" actId="47"/>
+        <pc:sldMkLst>
+          <pc:docMk/>
+          <pc:sldMk cId="1646184786" sldId="271"/>
+        </pc:sldMkLst>
+      </pc:sldChg>
+      <pc:sldChg chg="addSp modSp mod">
+        <pc:chgData name="Justin Hare" userId="c2cb5414-691d-4185-9cd0-01caf178a151" providerId="ADAL" clId="{14880C38-D002-451F-8B1B-2839D0F4EB6B}" dt="2020-09-29T11:36:33.924" v="82" actId="1076"/>
+        <pc:sldMkLst>
+          <pc:docMk/>
+          <pc:sldMk cId="2209457909" sldId="276"/>
+        </pc:sldMkLst>
+        <pc:picChg chg="add mod">
+          <ac:chgData name="Justin Hare" userId="c2cb5414-691d-4185-9cd0-01caf178a151" providerId="ADAL" clId="{14880C38-D002-451F-8B1B-2839D0F4EB6B}" dt="2020-09-29T11:36:33.924" v="82" actId="1076"/>
+          <ac:picMkLst>
+            <pc:docMk/>
+            <pc:sldMk cId="2209457909" sldId="276"/>
+            <ac:picMk id="5" creationId="{B0800746-01AA-42CC-8D39-BA8F4C9C6319}"/>
+          </ac:picMkLst>
+        </pc:picChg>
+      </pc:sldChg>
+    </pc:docChg>
+  </pc:docChgLst>
+</pc:chgInfo>
 </file>
 
 <file path=ppt/diagrams/colors1.xml><?xml version="1.0" encoding="utf-8"?>
@@ -3566,7 +3684,7 @@
           <a:p>
             <a:fld id="{EA0C0817-A112-4847-8014-A94B7D2A4EA3}" type="datetime1">
               <a:rPr lang="en-US" smtClean="0"/>
-              <a:t>9/28/2020</a:t>
+              <a:t>9/29/2020</a:t>
             </a:fld>
             <a:endParaRPr lang="en-US" dirty="0"/>
           </a:p>
@@ -3768,7 +3886,7 @@
           <a:p>
             <a:fld id="{7332B432-ACDA-4023-A761-2BAB76577B62}" type="datetime1">
               <a:rPr lang="en-US" smtClean="0"/>
-              <a:t>9/28/2020</a:t>
+              <a:t>9/29/2020</a:t>
             </a:fld>
             <a:endParaRPr lang="en-US" dirty="0"/>
           </a:p>
@@ -4367,7 +4485,7 @@
           <a:p>
             <a:fld id="{D9C646AA-F36E-4540-911D-FFFC0A0EF24A}" type="datetime1">
               <a:rPr lang="en-US" smtClean="0"/>
-              <a:t>9/28/2020</a:t>
+              <a:t>9/29/2020</a:t>
             </a:fld>
             <a:endParaRPr lang="en-US" dirty="0"/>
           </a:p>
@@ -4687,7 +4805,7 @@
           <a:p>
             <a:fld id="{69186D26-FA5F-4637-B602-B7C2DC34CFD4}" type="datetime1">
               <a:rPr lang="en-US" smtClean="0"/>
-              <a:t>9/28/2020</a:t>
+              <a:t>9/29/2020</a:t>
             </a:fld>
             <a:endParaRPr lang="en-US" dirty="0"/>
           </a:p>
@@ -5124,7 +5242,7 @@
           <a:p>
             <a:fld id="{8A7F15D8-96D1-4781-BC50-CA8A088B2FE4}" type="datetime1">
               <a:rPr lang="en-US" smtClean="0"/>
-              <a:t>9/28/2020</a:t>
+              <a:t>9/29/2020</a:t>
             </a:fld>
             <a:endParaRPr lang="en-US" dirty="0"/>
           </a:p>
@@ -5242,7 +5360,7 @@
           <a:p>
             <a:fld id="{F9A96C99-B8F8-4528-BD05-0E16E943DC09}" type="datetime1">
               <a:rPr lang="en-US" smtClean="0"/>
-              <a:t>9/28/2020</a:t>
+              <a:t>9/29/2020</a:t>
             </a:fld>
             <a:endParaRPr lang="en-US" dirty="0"/>
           </a:p>
@@ -5337,7 +5455,7 @@
           <a:p>
             <a:fld id="{03636942-C211-4B28-8DBD-C953E00AF71B}" type="datetime1">
               <a:rPr lang="en-US" smtClean="0"/>
-              <a:t>9/28/2020</a:t>
+              <a:t>9/29/2020</a:t>
             </a:fld>
             <a:endParaRPr lang="en-US" dirty="0"/>
           </a:p>
@@ -5754,7 +5872,7 @@
           <a:p>
             <a:fld id="{7E8D12A6-918A-48BD-8CB9-CA713993B0EA}" type="datetime1">
               <a:rPr lang="en-US" smtClean="0"/>
-              <a:t>9/28/2020</a:t>
+              <a:t>9/29/2020</a:t>
             </a:fld>
             <a:endParaRPr lang="en-US" dirty="0"/>
           </a:p>
@@ -6016,7 +6134,7 @@
             <a:fld id="{E778CE86-875F-4587-BCF6-FA054AFC0D53}" type="datetime1">
               <a:rPr lang="en-US" smtClean="0"/>
               <a:pPr/>
-              <a:t>9/28/2020</a:t>
+              <a:t>9/29/2020</a:t>
             </a:fld>
             <a:endParaRPr lang="en-US" dirty="0"/>
           </a:p>
@@ -6532,7 +6650,7 @@
           <a:p>
             <a:fld id="{F6FA2B21-3FCD-4721-B95C-427943F61125}" type="datetime1">
               <a:rPr lang="en-US" smtClean="0"/>
-              <a:t>9/28/2020</a:t>
+              <a:t>9/29/2020</a:t>
             </a:fld>
             <a:endParaRPr lang="en-US" dirty="0"/>
           </a:p>
@@ -7496,7 +7614,7 @@
           <a:p>
             <a:r>
               <a:rPr lang="en-US" dirty="0"/>
-              <a:t>The cycle repeats copying strands, adjusting falloff rates, and creating 2^20 segments of DNA through this process.</a:t>
+              <a:t>The cycle repeats copying strands, adjusting falloff rates, and creating up to 2^20 segments of DNA through this process.</a:t>
             </a:r>
           </a:p>
         </p:txBody>
@@ -7563,104 +7681,6 @@
       </p:grpSpPr>
       <p:sp>
         <p:nvSpPr>
-          <p:cNvPr id="2" name="Picture Placeholder 1">
-            <a:extLst>
-              <a:ext uri="{FF2B5EF4-FFF2-40B4-BE49-F238E27FC236}">
-                <a16:creationId xmlns:a16="http://schemas.microsoft.com/office/drawing/2014/main" id="{26E3D2A2-2818-4430-BF1A-50C5ECEE908E}"/>
-              </a:ext>
-            </a:extLst>
-          </p:cNvPr>
-          <p:cNvSpPr>
-            <a:spLocks noGrp="1"/>
-          </p:cNvSpPr>
-          <p:nvPr>
-            <p:ph type="pic" idx="1"/>
-          </p:nvPr>
-        </p:nvSpPr>
-        <p:spPr/>
-      </p:sp>
-      <p:sp>
-        <p:nvSpPr>
-          <p:cNvPr id="3" name="Title 2">
-            <a:extLst>
-              <a:ext uri="{FF2B5EF4-FFF2-40B4-BE49-F238E27FC236}">
-                <a16:creationId xmlns:a16="http://schemas.microsoft.com/office/drawing/2014/main" id="{3E831AD9-85EA-4CDD-A17D-9769F38FBCAD}"/>
-              </a:ext>
-            </a:extLst>
-          </p:cNvPr>
-          <p:cNvSpPr>
-            <a:spLocks noGrp="1"/>
-          </p:cNvSpPr>
-          <p:nvPr>
-            <p:ph type="title"/>
-          </p:nvPr>
-        </p:nvSpPr>
-        <p:spPr/>
-        <p:txBody>
-          <a:bodyPr/>
-          <a:lstStyle/>
-          <a:p>
-            <a:endParaRPr lang="en-US"/>
-          </a:p>
-        </p:txBody>
-      </p:sp>
-      <p:sp>
-        <p:nvSpPr>
-          <p:cNvPr id="4" name="Text Placeholder 3">
-            <a:extLst>
-              <a:ext uri="{FF2B5EF4-FFF2-40B4-BE49-F238E27FC236}">
-                <a16:creationId xmlns:a16="http://schemas.microsoft.com/office/drawing/2014/main" id="{A66857BA-1F68-4328-9455-EE78A13F3201}"/>
-              </a:ext>
-            </a:extLst>
-          </p:cNvPr>
-          <p:cNvSpPr>
-            <a:spLocks noGrp="1"/>
-          </p:cNvSpPr>
-          <p:nvPr>
-            <p:ph type="body" sz="half" idx="2"/>
-          </p:nvPr>
-        </p:nvSpPr>
-        <p:spPr/>
-        <p:txBody>
-          <a:bodyPr/>
-          <a:lstStyle/>
-          <a:p>
-            <a:endParaRPr lang="en-US"/>
-          </a:p>
-        </p:txBody>
-      </p:sp>
-    </p:spTree>
-    <p:extLst>
-      <p:ext uri="{BB962C8B-B14F-4D97-AF65-F5344CB8AC3E}">
-        <p14:creationId xmlns:p14="http://schemas.microsoft.com/office/powerpoint/2010/main" val="1646184786"/>
-      </p:ext>
-    </p:extLst>
-  </p:cSld>
-  <p:clrMapOvr>
-    <a:masterClrMapping/>
-  </p:clrMapOvr>
-</p:sld>
-</file>
-
-<file path=ppt/slides/slide13.xml><?xml version="1.0" encoding="utf-8"?>
-<p:sld xmlns:a="http://schemas.openxmlformats.org/drawingml/2006/main" xmlns:r="http://schemas.openxmlformats.org/officeDocument/2006/relationships" xmlns:p="http://schemas.openxmlformats.org/presentationml/2006/main">
-  <p:cSld>
-    <p:spTree>
-      <p:nvGrpSpPr>
-        <p:cNvPr id="1" name=""/>
-        <p:cNvGrpSpPr/>
-        <p:nvPr/>
-      </p:nvGrpSpPr>
-      <p:grpSpPr>
-        <a:xfrm>
-          <a:off x="0" y="0"/>
-          <a:ext cx="0" cy="0"/>
-          <a:chOff x="0" y="0"/>
-          <a:chExt cx="0" cy="0"/>
-        </a:xfrm>
-      </p:grpSpPr>
-      <p:sp>
-        <p:nvSpPr>
           <p:cNvPr id="2" name="Title 1">
             <a:extLst>
               <a:ext uri="{FF2B5EF4-FFF2-40B4-BE49-F238E27FC236}">
@@ -7700,7 +7720,7 @@
 </p:sld>
 </file>
 
-<file path=ppt/slides/slide14.xml><?xml version="1.0" encoding="utf-8"?>
+<file path=ppt/slides/slide13.xml><?xml version="1.0" encoding="utf-8"?>
 <p:sld xmlns:a="http://schemas.openxmlformats.org/drawingml/2006/main" xmlns:r="http://schemas.openxmlformats.org/officeDocument/2006/relationships" xmlns:p="http://schemas.openxmlformats.org/presentationml/2006/main">
   <p:cSld>
     <p:bg>
@@ -7856,7 +7876,7 @@
 </p:sld>
 </file>
 
-<file path=ppt/slides/slide15.xml><?xml version="1.0" encoding="utf-8"?>
+<file path=ppt/slides/slide14.xml><?xml version="1.0" encoding="utf-8"?>
 <p:sld xmlns:a="http://schemas.openxmlformats.org/drawingml/2006/main" xmlns:r="http://schemas.openxmlformats.org/officeDocument/2006/relationships" xmlns:p="http://schemas.openxmlformats.org/presentationml/2006/main">
   <p:cSld>
     <p:bg>
@@ -8037,7 +8057,7 @@
 </p:sld>
 </file>
 
-<file path=ppt/slides/slide16.xml><?xml version="1.0" encoding="utf-8"?>
+<file path=ppt/slides/slide15.xml><?xml version="1.0" encoding="utf-8"?>
 <p:sld xmlns:a="http://schemas.openxmlformats.org/drawingml/2006/main" xmlns:r="http://schemas.openxmlformats.org/officeDocument/2006/relationships" xmlns:p="http://schemas.openxmlformats.org/presentationml/2006/main">
   <p:cSld>
     <p:bg>
@@ -8189,7 +8209,7 @@
 </p:sld>
 </file>
 
-<file path=ppt/slides/slide17.xml><?xml version="1.0" encoding="utf-8"?>
+<file path=ppt/slides/slide16.xml><?xml version="1.0" encoding="utf-8"?>
 <p:sld xmlns:a="http://schemas.openxmlformats.org/drawingml/2006/main" xmlns:r="http://schemas.openxmlformats.org/officeDocument/2006/relationships" xmlns:p="http://schemas.openxmlformats.org/presentationml/2006/main">
   <p:cSld>
     <p:spTree>
@@ -8247,7 +8267,7 @@
 </p:sld>
 </file>
 
-<file path=ppt/slides/slide18.xml><?xml version="1.0" encoding="utf-8"?>
+<file path=ppt/slides/slide17.xml><?xml version="1.0" encoding="utf-8"?>
 <p:sld xmlns:a="http://schemas.openxmlformats.org/drawingml/2006/main" xmlns:r="http://schemas.openxmlformats.org/officeDocument/2006/relationships" xmlns:p="http://schemas.openxmlformats.org/presentationml/2006/main">
   <p:cSld>
     <p:spTree>
@@ -8383,6 +8403,36 @@
           </a:prstGeom>
         </p:spPr>
       </p:pic>
+      <p:pic>
+        <p:nvPicPr>
+          <p:cNvPr id="5" name="Picture 4" descr="Chart, histogram&#10;&#10;Description automatically generated">
+            <a:extLst>
+              <a:ext uri="{FF2B5EF4-FFF2-40B4-BE49-F238E27FC236}">
+                <a16:creationId xmlns:a16="http://schemas.microsoft.com/office/drawing/2014/main" id="{B0800746-01AA-42CC-8D39-BA8F4C9C6319}"/>
+              </a:ext>
+            </a:extLst>
+          </p:cNvPr>
+          <p:cNvPicPr>
+            <a:picLocks noChangeAspect="1"/>
+          </p:cNvPicPr>
+          <p:nvPr/>
+        </p:nvPicPr>
+        <p:blipFill>
+          <a:blip r:embed="rId3"/>
+          <a:stretch>
+            <a:fillRect/>
+          </a:stretch>
+        </p:blipFill>
+        <p:spPr>
+          <a:xfrm>
+            <a:off x="1595143" y="202432"/>
+            <a:ext cx="4998187" cy="3748640"/>
+          </a:xfrm>
+          <a:prstGeom prst="rect">
+            <a:avLst/>
+          </a:prstGeom>
+        </p:spPr>
+      </p:pic>
     </p:spTree>
     <p:extLst>
       <p:ext uri="{BB962C8B-B14F-4D97-AF65-F5344CB8AC3E}">
@@ -8396,7 +8446,7 @@
 </p:sld>
 </file>
 
-<file path=ppt/slides/slide19.xml><?xml version="1.0" encoding="utf-8"?>
+<file path=ppt/slides/slide18.xml><?xml version="1.0" encoding="utf-8"?>
 <p:sld xmlns:a="http://schemas.openxmlformats.org/drawingml/2006/main" xmlns:r="http://schemas.openxmlformats.org/officeDocument/2006/relationships" xmlns:p="http://schemas.openxmlformats.org/presentationml/2006/main">
   <p:cSld>
     <p:spTree>
@@ -8445,6 +8495,118 @@
     <p:extLst>
       <p:ext uri="{BB962C8B-B14F-4D97-AF65-F5344CB8AC3E}">
         <p14:creationId xmlns:p14="http://schemas.microsoft.com/office/powerpoint/2010/main" val="3882152744"/>
+      </p:ext>
+    </p:extLst>
+  </p:cSld>
+  <p:clrMapOvr>
+    <a:masterClrMapping/>
+  </p:clrMapOvr>
+</p:sld>
+</file>
+
+<file path=ppt/slides/slide19.xml><?xml version="1.0" encoding="utf-8"?>
+<p:sld xmlns:a="http://schemas.openxmlformats.org/drawingml/2006/main" xmlns:r="http://schemas.openxmlformats.org/officeDocument/2006/relationships" xmlns:p="http://schemas.openxmlformats.org/presentationml/2006/main">
+  <p:cSld>
+    <p:spTree>
+      <p:nvGrpSpPr>
+        <p:cNvPr id="1" name=""/>
+        <p:cNvGrpSpPr/>
+        <p:nvPr/>
+      </p:nvGrpSpPr>
+      <p:grpSpPr>
+        <a:xfrm>
+          <a:off x="0" y="0"/>
+          <a:ext cx="0" cy="0"/>
+          <a:chOff x="0" y="0"/>
+          <a:chExt cx="0" cy="0"/>
+        </a:xfrm>
+      </p:grpSpPr>
+      <p:sp>
+        <p:nvSpPr>
+          <p:cNvPr id="2" name="Title 1">
+            <a:extLst>
+              <a:ext uri="{FF2B5EF4-FFF2-40B4-BE49-F238E27FC236}">
+                <a16:creationId xmlns:a16="http://schemas.microsoft.com/office/drawing/2014/main" id="{F1481509-263B-4157-B7A5-791315F2A6C1}"/>
+              </a:ext>
+            </a:extLst>
+          </p:cNvPr>
+          <p:cNvSpPr>
+            <a:spLocks noGrp="1"/>
+          </p:cNvSpPr>
+          <p:nvPr>
+            <p:ph type="title"/>
+          </p:nvPr>
+        </p:nvSpPr>
+        <p:spPr/>
+        <p:txBody>
+          <a:bodyPr/>
+          <a:lstStyle/>
+          <a:p>
+            <a:r>
+              <a:rPr lang="en-US" dirty="0"/>
+              <a:t>References</a:t>
+            </a:r>
+          </a:p>
+        </p:txBody>
+      </p:sp>
+      <p:sp>
+        <p:nvSpPr>
+          <p:cNvPr id="3" name="Content Placeholder 2">
+            <a:extLst>
+              <a:ext uri="{FF2B5EF4-FFF2-40B4-BE49-F238E27FC236}">
+                <a16:creationId xmlns:a16="http://schemas.microsoft.com/office/drawing/2014/main" id="{91F8ACE6-B1E9-495F-AEE7-FCEE7CEB3DE1}"/>
+              </a:ext>
+            </a:extLst>
+          </p:cNvPr>
+          <p:cNvSpPr>
+            <a:spLocks noGrp="1"/>
+          </p:cNvSpPr>
+          <p:nvPr>
+            <p:ph idx="1"/>
+          </p:nvPr>
+        </p:nvSpPr>
+        <p:spPr/>
+        <p:txBody>
+          <a:bodyPr/>
+          <a:lstStyle/>
+          <a:p>
+            <a:r>
+              <a:rPr lang="en-US" dirty="0"/>
+              <a:t>Animations: </a:t>
+            </a:r>
+            <a:r>
+              <a:rPr lang="en-US" dirty="0">
+                <a:hlinkClick r:id="rId2"/>
+              </a:rPr>
+              <a:t>https://www.bio-rad.com/webroot/web/movies/lse/global/english/what-is-polymerase-chain-reaction/tutorial.html</a:t>
+            </a:r>
+            <a:endParaRPr lang="en-US" dirty="0"/>
+          </a:p>
+          <a:p>
+            <a:r>
+              <a:rPr lang="en-US" dirty="0"/>
+              <a:t>Data about Genome: </a:t>
+            </a:r>
+            <a:r>
+              <a:rPr lang="en-US" dirty="0">
+                <a:hlinkClick r:id="rId3"/>
+              </a:rPr>
+              <a:t>https://www.ncbi.nlm.nih.gov/nuccore/NC_045512</a:t>
+            </a:r>
+            <a:endParaRPr lang="en-US" dirty="0"/>
+          </a:p>
+          <a:p>
+            <a:pPr marL="0" indent="0">
+              <a:buNone/>
+            </a:pPr>
+            <a:endParaRPr lang="en-US" dirty="0"/>
+          </a:p>
+        </p:txBody>
+      </p:sp>
+    </p:spTree>
+    <p:extLst>
+      <p:ext uri="{BB962C8B-B14F-4D97-AF65-F5344CB8AC3E}">
+        <p14:creationId xmlns:p14="http://schemas.microsoft.com/office/powerpoint/2010/main" val="3540462258"/>
       </p:ext>
     </p:extLst>
   </p:cSld>
@@ -8561,118 +8723,6 @@
 </p:sld>
 </file>
 
-<file path=ppt/slides/slide20.xml><?xml version="1.0" encoding="utf-8"?>
-<p:sld xmlns:a="http://schemas.openxmlformats.org/drawingml/2006/main" xmlns:r="http://schemas.openxmlformats.org/officeDocument/2006/relationships" xmlns:p="http://schemas.openxmlformats.org/presentationml/2006/main">
-  <p:cSld>
-    <p:spTree>
-      <p:nvGrpSpPr>
-        <p:cNvPr id="1" name=""/>
-        <p:cNvGrpSpPr/>
-        <p:nvPr/>
-      </p:nvGrpSpPr>
-      <p:grpSpPr>
-        <a:xfrm>
-          <a:off x="0" y="0"/>
-          <a:ext cx="0" cy="0"/>
-          <a:chOff x="0" y="0"/>
-          <a:chExt cx="0" cy="0"/>
-        </a:xfrm>
-      </p:grpSpPr>
-      <p:sp>
-        <p:nvSpPr>
-          <p:cNvPr id="2" name="Title 1">
-            <a:extLst>
-              <a:ext uri="{FF2B5EF4-FFF2-40B4-BE49-F238E27FC236}">
-                <a16:creationId xmlns:a16="http://schemas.microsoft.com/office/drawing/2014/main" id="{F1481509-263B-4157-B7A5-791315F2A6C1}"/>
-              </a:ext>
-            </a:extLst>
-          </p:cNvPr>
-          <p:cNvSpPr>
-            <a:spLocks noGrp="1"/>
-          </p:cNvSpPr>
-          <p:nvPr>
-            <p:ph type="title"/>
-          </p:nvPr>
-        </p:nvSpPr>
-        <p:spPr/>
-        <p:txBody>
-          <a:bodyPr/>
-          <a:lstStyle/>
-          <a:p>
-            <a:r>
-              <a:rPr lang="en-US" dirty="0"/>
-              <a:t>References</a:t>
-            </a:r>
-          </a:p>
-        </p:txBody>
-      </p:sp>
-      <p:sp>
-        <p:nvSpPr>
-          <p:cNvPr id="3" name="Content Placeholder 2">
-            <a:extLst>
-              <a:ext uri="{FF2B5EF4-FFF2-40B4-BE49-F238E27FC236}">
-                <a16:creationId xmlns:a16="http://schemas.microsoft.com/office/drawing/2014/main" id="{91F8ACE6-B1E9-495F-AEE7-FCEE7CEB3DE1}"/>
-              </a:ext>
-            </a:extLst>
-          </p:cNvPr>
-          <p:cNvSpPr>
-            <a:spLocks noGrp="1"/>
-          </p:cNvSpPr>
-          <p:nvPr>
-            <p:ph idx="1"/>
-          </p:nvPr>
-        </p:nvSpPr>
-        <p:spPr/>
-        <p:txBody>
-          <a:bodyPr/>
-          <a:lstStyle/>
-          <a:p>
-            <a:r>
-              <a:rPr lang="en-US" dirty="0"/>
-              <a:t>Animations: </a:t>
-            </a:r>
-            <a:r>
-              <a:rPr lang="en-US" dirty="0">
-                <a:hlinkClick r:id="rId2"/>
-              </a:rPr>
-              <a:t>https://www.bio-rad.com/webroot/web/movies/lse/global/english/what-is-polymerase-chain-reaction/tutorial.html</a:t>
-            </a:r>
-            <a:endParaRPr lang="en-US" dirty="0"/>
-          </a:p>
-          <a:p>
-            <a:r>
-              <a:rPr lang="en-US" dirty="0"/>
-              <a:t>Data about Genome: </a:t>
-            </a:r>
-            <a:r>
-              <a:rPr lang="en-US" dirty="0">
-                <a:hlinkClick r:id="rId3"/>
-              </a:rPr>
-              <a:t>https://www.ncbi.nlm.nih.gov/nuccore/NC_045512</a:t>
-            </a:r>
-            <a:endParaRPr lang="en-US" dirty="0"/>
-          </a:p>
-          <a:p>
-            <a:pPr marL="0" indent="0">
-              <a:buNone/>
-            </a:pPr>
-            <a:endParaRPr lang="en-US" dirty="0"/>
-          </a:p>
-        </p:txBody>
-      </p:sp>
-    </p:spTree>
-    <p:extLst>
-      <p:ext uri="{BB962C8B-B14F-4D97-AF65-F5344CB8AC3E}">
-        <p14:creationId xmlns:p14="http://schemas.microsoft.com/office/powerpoint/2010/main" val="3540462258"/>
-      </p:ext>
-    </p:extLst>
-  </p:cSld>
-  <p:clrMapOvr>
-    <a:masterClrMapping/>
-  </p:clrMapOvr>
-</p:sld>
-</file>
-
 <file path=ppt/slides/slide3.xml><?xml version="1.0" encoding="utf-8"?>
 <p:sld xmlns:a="http://schemas.openxmlformats.org/drawingml/2006/main" xmlns:r="http://schemas.openxmlformats.org/officeDocument/2006/relationships" xmlns:p="http://schemas.openxmlformats.org/presentationml/2006/main">
   <p:cSld>
@@ -8766,7 +8816,7 @@
           <a:p>
             <a:r>
               <a:rPr lang="en-US" dirty="0"/>
-              <a:t>And it is the cause of Severe Acute Respiratory Syndrome in Coronavirus.</a:t>
+              <a:t>One of several proteins found in SARS-CoV-19.</a:t>
             </a:r>
           </a:p>
         </p:txBody>
@@ -9110,7 +9160,7 @@
           <a:p>
             <a:r>
               <a:rPr lang="en-US" dirty="0"/>
-              <a:t>Separating the DNA by heating up the temperature.</a:t>
+              <a:t>Separating the DNA by raising the temperature.</a:t>
             </a:r>
           </a:p>
         </p:txBody>
@@ -9508,7 +9558,7 @@
           <a:p>
             <a:r>
               <a:rPr lang="en-US" dirty="0"/>
-              <a:t>First, We define the falloff rate for a strand. </a:t>
+              <a:t>First, we define the falloff rate for a strand. </a:t>
             </a:r>
           </a:p>
           <a:p>
@@ -9711,7 +9761,7 @@
           <a:p>
             <a:r>
               <a:rPr lang="en-US" dirty="0"/>
-              <a:t>Then the TAQ Polymerase attach a strand of complimentary DNA to each strand</a:t>
+              <a:t>Then the TAQ Polymerase build a strand of complimentary DNA to each strand</a:t>
             </a:r>
           </a:p>
         </p:txBody>
@@ -10036,24 +10086,6 @@
 </file>
 
 <file path=customXml/item1.xml><?xml version="1.0" encoding="utf-8"?>
-<p:properties xmlns:p="http://schemas.microsoft.com/office/2006/metadata/properties" xmlns:xsi="http://www.w3.org/2001/XMLSchema-instance" xmlns:pc="http://schemas.microsoft.com/office/infopath/2007/PartnerControls">
-  <documentManagement>
-    <Status xmlns="71af3243-3dd4-4a8d-8c0d-dd76da1f02a5">Not started</Status>
-    <MediaServiceKeyPoints xmlns="71af3243-3dd4-4a8d-8c0d-dd76da1f02a5" xsi:nil="true"/>
-  </documentManagement>
-</p:properties>
-</file>
-
-<file path=customXml/item2.xml><?xml version="1.0" encoding="utf-8"?>
-<?mso-contentType ?>
-<FormTemplates xmlns="http://schemas.microsoft.com/sharepoint/v3/contenttype/forms">
-  <Display>DocumentLibraryForm</Display>
-  <Edit>DocumentLibraryForm</Edit>
-  <New>DocumentLibraryForm</New>
-</FormTemplates>
-</file>
-
-<file path=customXml/item3.xml><?xml version="1.0" encoding="utf-8"?>
 <ct:contentTypeSchema xmlns:ct="http://schemas.microsoft.com/office/2006/metadata/contentType" xmlns:ma="http://schemas.microsoft.com/office/2006/metadata/properties/metaAttributes" ct:_="" ma:_="" ma:contentTypeName="Document" ma:contentTypeID="0x01010079F111ED35F8CC479449609E8A0923A6" ma:contentTypeVersion="12" ma:contentTypeDescription="Create a new document." ma:contentTypeScope="" ma:versionID="a410dd7f93c95333ffa1b60ed6adedd1">
   <xsd:schema xmlns:xsd="http://www.w3.org/2001/XMLSchema" xmlns:xs="http://www.w3.org/2001/XMLSchema" xmlns:p="http://schemas.microsoft.com/office/2006/metadata/properties" xmlns:ns2="71af3243-3dd4-4a8d-8c0d-dd76da1f02a5" xmlns:ns3="16c05727-aa75-4e4a-9b5f-8a80a1165891" targetNamespace="http://schemas.microsoft.com/office/2006/metadata/properties" ma:root="true" ma:fieldsID="a936d9baba76aa3866493feff160faab" ns2:_="" ns3:_="">
     <xsd:import namespace="71af3243-3dd4-4a8d-8c0d-dd76da1f02a5"/>
@@ -10274,25 +10306,25 @@
 </ct:contentTypeSchema>
 </file>
 
-<file path=customXml/itemProps1.xml><?xml version="1.0" encoding="utf-8"?>
-<ds:datastoreItem xmlns:ds="http://schemas.openxmlformats.org/officeDocument/2006/customXml" ds:itemID="{137651BA-F45C-4845-9AB3-E0A65B39F5E1}">
-  <ds:schemaRefs>
-    <ds:schemaRef ds:uri="http://schemas.microsoft.com/office/2006/metadata/properties"/>
-    <ds:schemaRef ds:uri="http://schemas.microsoft.com/office/infopath/2007/PartnerControls"/>
-    <ds:schemaRef ds:uri="71af3243-3dd4-4a8d-8c0d-dd76da1f02a5"/>
-  </ds:schemaRefs>
-</ds:datastoreItem>
+<file path=customXml/item2.xml><?xml version="1.0" encoding="utf-8"?>
+<?mso-contentType ?>
+<FormTemplates xmlns="http://schemas.microsoft.com/sharepoint/v3/contenttype/forms">
+  <Display>DocumentLibraryForm</Display>
+  <Edit>DocumentLibraryForm</Edit>
+  <New>DocumentLibraryForm</New>
+</FormTemplates>
 </file>
 
-<file path=customXml/itemProps2.xml><?xml version="1.0" encoding="utf-8"?>
-<ds:datastoreItem xmlns:ds="http://schemas.openxmlformats.org/officeDocument/2006/customXml" ds:itemID="{CDB58277-F8DF-46FF-84EC-EF41B835E69F}">
-  <ds:schemaRefs>
-    <ds:schemaRef ds:uri="http://schemas.microsoft.com/sharepoint/v3/contenttype/forms"/>
-  </ds:schemaRefs>
-</ds:datastoreItem>
+<file path=customXml/item3.xml><?xml version="1.0" encoding="utf-8"?>
+<p:properties xmlns:p="http://schemas.microsoft.com/office/2006/metadata/properties" xmlns:xsi="http://www.w3.org/2001/XMLSchema-instance" xmlns:pc="http://schemas.microsoft.com/office/infopath/2007/PartnerControls">
+  <documentManagement>
+    <Status xmlns="71af3243-3dd4-4a8d-8c0d-dd76da1f02a5">Not started</Status>
+    <MediaServiceKeyPoints xmlns="71af3243-3dd4-4a8d-8c0d-dd76da1f02a5" xsi:nil="true"/>
+  </documentManagement>
+</p:properties>
 </file>
 
-<file path=customXml/itemProps3.xml><?xml version="1.0" encoding="utf-8"?>
+<file path=customXml/itemProps1.xml><?xml version="1.0" encoding="utf-8"?>
 <ds:datastoreItem xmlns:ds="http://schemas.openxmlformats.org/officeDocument/2006/customXml" ds:itemID="{2D276E62-80A3-44DD-9BCC-97ED2B99B57F}">
   <ds:schemaRefs>
     <ds:schemaRef ds:uri="http://schemas.microsoft.com/office/2006/metadata/contentType"/>
@@ -10309,4 +10341,22 @@
     <ds:schemaRef ds:uri="http://schemas.microsoft.com/internal/obd"/>
   </ds:schemaRefs>
 </ds:datastoreItem>
+</file>
+
+<file path=customXml/itemProps2.xml><?xml version="1.0" encoding="utf-8"?>
+<ds:datastoreItem xmlns:ds="http://schemas.openxmlformats.org/officeDocument/2006/customXml" ds:itemID="{CDB58277-F8DF-46FF-84EC-EF41B835E69F}">
+  <ds:schemaRefs>
+    <ds:schemaRef ds:uri="http://schemas.microsoft.com/sharepoint/v3/contenttype/forms"/>
+  </ds:schemaRefs>
+</ds:datastoreItem>
+</file>
+
+<file path=customXml/itemProps3.xml><?xml version="1.0" encoding="utf-8"?>
+<ds:datastoreItem xmlns:ds="http://schemas.openxmlformats.org/officeDocument/2006/customXml" ds:itemID="{137651BA-F45C-4845-9AB3-E0A65B39F5E1}">
+  <ds:schemaRefs>
+    <ds:schemaRef ds:uri="http://schemas.microsoft.com/office/2006/metadata/properties"/>
+    <ds:schemaRef ds:uri="http://schemas.microsoft.com/office/infopath/2007/PartnerControls"/>
+    <ds:schemaRef ds:uri="71af3243-3dd4-4a8d-8c0d-dd76da1f02a5"/>
+  </ds:schemaRefs>
+</ds:datastoreItem>
 </file>
--- a/PCR in Python.pptx
+++ b/PCR in Python.pptx
@@ -8328,9 +8328,16 @@
             <p:ph type="body" sz="half" idx="2"/>
           </p:nvPr>
         </p:nvSpPr>
-        <p:spPr/>
+        <p:spPr>
+          <a:xfrm>
+            <a:off x="8477250" y="2386583"/>
+            <a:ext cx="3144774" cy="4072939"/>
+          </a:xfrm>
+        </p:spPr>
         <p:txBody>
-          <a:bodyPr/>
+          <a:bodyPr>
+            <a:normAutofit fontScale="92500" lnSpcReduction="20000"/>
+          </a:bodyPr>
           <a:lstStyle/>
           <a:p>
             <a:r>
@@ -8363,22 +8370,37 @@
             </a:r>
           </a:p>
           <a:p>
-            <a:endParaRPr lang="en-US" dirty="0"/>
-          </a:p>
-          <a:p>
             <a:r>
               <a:rPr lang="en-US" dirty="0"/>
-              <a:t>Note: seeding of Random was done to obtain a consistent result.</a:t>
+              <a:t>Cycles: 20</a:t>
+            </a:r>
+          </a:p>
+          <a:p>
+            <a:r>
+              <a:rPr lang="en-US" dirty="0"/>
+              <a:t>Notes:</a:t>
+            </a:r>
+          </a:p>
+          <a:p>
+            <a:r>
+              <a:rPr lang="en-US" dirty="0"/>
+              <a:t> Seeding of Random was done to obtain a consistent result.</a:t>
+            </a:r>
+          </a:p>
+          <a:p>
+            <a:r>
+              <a:rPr lang="en-US" dirty="0"/>
+              <a:t>Strand Count does not include empty “falloff” Strands</a:t>
             </a:r>
           </a:p>
         </p:txBody>
       </p:sp>
       <p:pic>
         <p:nvPicPr>
-          <p:cNvPr id="6" name="Picture 5">
+          <p:cNvPr id="5" name="Picture 4" descr="Chart, histogram&#10;&#10;Description automatically generated">
             <a:extLst>
               <a:ext uri="{FF2B5EF4-FFF2-40B4-BE49-F238E27FC236}">
-                <a16:creationId xmlns:a16="http://schemas.microsoft.com/office/drawing/2014/main" id="{0792913E-2D98-47FA-900E-817732DB31B2}"/>
+                <a16:creationId xmlns:a16="http://schemas.microsoft.com/office/drawing/2014/main" id="{B0800746-01AA-42CC-8D39-BA8F4C9C6319}"/>
               </a:ext>
             </a:extLst>
           </p:cNvPr>
@@ -8395,8 +8417,8 @@
         </p:blipFill>
         <p:spPr>
           <a:xfrm>
-            <a:off x="301801" y="4142232"/>
-            <a:ext cx="7584873" cy="2348258"/>
+            <a:off x="1565134" y="202432"/>
+            <a:ext cx="4998187" cy="3748640"/>
           </a:xfrm>
           <a:prstGeom prst="rect">
             <a:avLst/>
@@ -8405,10 +8427,10 @@
       </p:pic>
       <p:pic>
         <p:nvPicPr>
-          <p:cNvPr id="5" name="Picture 4" descr="Chart, histogram&#10;&#10;Description automatically generated">
+          <p:cNvPr id="9" name="Picture 8">
             <a:extLst>
               <a:ext uri="{FF2B5EF4-FFF2-40B4-BE49-F238E27FC236}">
-                <a16:creationId xmlns:a16="http://schemas.microsoft.com/office/drawing/2014/main" id="{B0800746-01AA-42CC-8D39-BA8F4C9C6319}"/>
+                <a16:creationId xmlns:a16="http://schemas.microsoft.com/office/drawing/2014/main" id="{13A1E3BB-8DD5-4F09-B075-8746423BC480}"/>
               </a:ext>
             </a:extLst>
           </p:cNvPr>
@@ -8425,8 +8447,8 @@
         </p:blipFill>
         <p:spPr>
           <a:xfrm>
-            <a:off x="1595143" y="202432"/>
-            <a:ext cx="4998187" cy="3748640"/>
+            <a:off x="569976" y="3881505"/>
+            <a:ext cx="6988505" cy="2774063"/>
           </a:xfrm>
           <a:prstGeom prst="rect">
             <a:avLst/>
@@ -10086,6 +10108,15 @@
 </file>
 
 <file path=customXml/item1.xml><?xml version="1.0" encoding="utf-8"?>
+<?mso-contentType ?>
+<FormTemplates xmlns="http://schemas.microsoft.com/sharepoint/v3/contenttype/forms">
+  <Display>DocumentLibraryForm</Display>
+  <Edit>DocumentLibraryForm</Edit>
+  <New>DocumentLibraryForm</New>
+</FormTemplates>
+</file>
+
+<file path=customXml/item2.xml><?xml version="1.0" encoding="utf-8"?>
 <ct:contentTypeSchema xmlns:ct="http://schemas.microsoft.com/office/2006/metadata/contentType" xmlns:ma="http://schemas.microsoft.com/office/2006/metadata/properties/metaAttributes" ct:_="" ma:_="" ma:contentTypeName="Document" ma:contentTypeID="0x01010079F111ED35F8CC479449609E8A0923A6" ma:contentTypeVersion="12" ma:contentTypeDescription="Create a new document." ma:contentTypeScope="" ma:versionID="a410dd7f93c95333ffa1b60ed6adedd1">
   <xsd:schema xmlns:xsd="http://www.w3.org/2001/XMLSchema" xmlns:xs="http://www.w3.org/2001/XMLSchema" xmlns:p="http://schemas.microsoft.com/office/2006/metadata/properties" xmlns:ns2="71af3243-3dd4-4a8d-8c0d-dd76da1f02a5" xmlns:ns3="16c05727-aa75-4e4a-9b5f-8a80a1165891" targetNamespace="http://schemas.microsoft.com/office/2006/metadata/properties" ma:root="true" ma:fieldsID="a936d9baba76aa3866493feff160faab" ns2:_="" ns3:_="">
     <xsd:import namespace="71af3243-3dd4-4a8d-8c0d-dd76da1f02a5"/>
@@ -10306,15 +10337,6 @@
 </ct:contentTypeSchema>
 </file>
 
-<file path=customXml/item2.xml><?xml version="1.0" encoding="utf-8"?>
-<?mso-contentType ?>
-<FormTemplates xmlns="http://schemas.microsoft.com/sharepoint/v3/contenttype/forms">
-  <Display>DocumentLibraryForm</Display>
-  <Edit>DocumentLibraryForm</Edit>
-  <New>DocumentLibraryForm</New>
-</FormTemplates>
-</file>
-
 <file path=customXml/item3.xml><?xml version="1.0" encoding="utf-8"?>
 <p:properties xmlns:p="http://schemas.microsoft.com/office/2006/metadata/properties" xmlns:xsi="http://www.w3.org/2001/XMLSchema-instance" xmlns:pc="http://schemas.microsoft.com/office/infopath/2007/PartnerControls">
   <documentManagement>
@@ -10325,6 +10347,14 @@
 </file>
 
 <file path=customXml/itemProps1.xml><?xml version="1.0" encoding="utf-8"?>
+<ds:datastoreItem xmlns:ds="http://schemas.openxmlformats.org/officeDocument/2006/customXml" ds:itemID="{CDB58277-F8DF-46FF-84EC-EF41B835E69F}">
+  <ds:schemaRefs>
+    <ds:schemaRef ds:uri="http://schemas.microsoft.com/sharepoint/v3/contenttype/forms"/>
+  </ds:schemaRefs>
+</ds:datastoreItem>
+</file>
+
+<file path=customXml/itemProps2.xml><?xml version="1.0" encoding="utf-8"?>
 <ds:datastoreItem xmlns:ds="http://schemas.openxmlformats.org/officeDocument/2006/customXml" ds:itemID="{2D276E62-80A3-44DD-9BCC-97ED2B99B57F}">
   <ds:schemaRefs>
     <ds:schemaRef ds:uri="http://schemas.microsoft.com/office/2006/metadata/contentType"/>
@@ -10343,14 +10373,6 @@
 </ds:datastoreItem>
 </file>
 
-<file path=customXml/itemProps2.xml><?xml version="1.0" encoding="utf-8"?>
-<ds:datastoreItem xmlns:ds="http://schemas.openxmlformats.org/officeDocument/2006/customXml" ds:itemID="{CDB58277-F8DF-46FF-84EC-EF41B835E69F}">
-  <ds:schemaRefs>
-    <ds:schemaRef ds:uri="http://schemas.microsoft.com/sharepoint/v3/contenttype/forms"/>
-  </ds:schemaRefs>
-</ds:datastoreItem>
-</file>
-
 <file path=customXml/itemProps3.xml><?xml version="1.0" encoding="utf-8"?>
 <ds:datastoreItem xmlns:ds="http://schemas.openxmlformats.org/officeDocument/2006/customXml" ds:itemID="{137651BA-F45C-4845-9AB3-E0A65B39F5E1}">
   <ds:schemaRefs>
